--- a/Jahresziele/2015/ABBYY/Fazit-Strafzettel.pptx
+++ b/Jahresziele/2015/ABBYY/Fazit-Strafzettel.pptx
@@ -200,7 +200,7 @@
             <a:fld id="{A8ADFD5B-A66C-449C-B6E8-FB716D07777D}" type="datetimeFigureOut">
               <a:rPr lang="de-DE"/>
               <a:pPr/>
-              <a:t>17.12.2015</a:t>
+              <a:t>18.12.2015</a:t>
             </a:fld>
             <a:endParaRPr lang="de-DE"/>
           </a:p>
@@ -376,7 +376,7 @@
     </p:spTree>
     <p:extLst>
       <p:ext uri="{BB962C8B-B14F-4D97-AF65-F5344CB8AC3E}">
-        <p14:creationId xmlns:p14="http://schemas.microsoft.com/office/powerpoint/2010/main" val="1907857566"/>
+        <p14:creationId xmlns:p14="http://schemas.microsoft.com/office/powerpoint/2010/main" xmlns="" val="1907857566"/>
       </p:ext>
     </p:extLst>
   </p:cSld>
@@ -552,7 +552,7 @@
     </p:spTree>
     <p:extLst>
       <p:ext uri="{BB962C8B-B14F-4D97-AF65-F5344CB8AC3E}">
-        <p14:creationId xmlns:p14="http://schemas.microsoft.com/office/powerpoint/2010/main" val="325568466"/>
+        <p14:creationId xmlns:p14="http://schemas.microsoft.com/office/powerpoint/2010/main" xmlns="" val="325568466"/>
       </p:ext>
     </p:extLst>
   </p:cSld>
@@ -637,7 +637,7 @@
     </p:spTree>
     <p:extLst>
       <p:ext uri="{BB962C8B-B14F-4D97-AF65-F5344CB8AC3E}">
-        <p14:creationId xmlns:p14="http://schemas.microsoft.com/office/powerpoint/2010/main" val="2279025156"/>
+        <p14:creationId xmlns:p14="http://schemas.microsoft.com/office/powerpoint/2010/main" xmlns="" val="2279025156"/>
       </p:ext>
     </p:extLst>
   </p:cSld>
@@ -722,7 +722,7 @@
     </p:spTree>
     <p:extLst>
       <p:ext uri="{BB962C8B-B14F-4D97-AF65-F5344CB8AC3E}">
-        <p14:creationId xmlns:p14="http://schemas.microsoft.com/office/powerpoint/2010/main" val="2279025156"/>
+        <p14:creationId xmlns:p14="http://schemas.microsoft.com/office/powerpoint/2010/main" xmlns="" val="2279025156"/>
       </p:ext>
     </p:extLst>
   </p:cSld>
@@ -2758,12 +2758,12 @@
               <a:buSzPct val="180000"/>
             </a:pPr>
             <a:r>
-              <a:rPr lang="de-DE" sz="2000" b="1" dirty="0" err="1" smtClean="0">
+              <a:rPr lang="de-DE" sz="2000" b="1" smtClean="0">
                 <a:solidFill>
                   <a:srgbClr val="C00000"/>
                 </a:solidFill>
               </a:rPr>
-              <a:t>xx</a:t>
+              <a:t>27 </a:t>
             </a:r>
             <a:r>
               <a:rPr lang="de-DE" sz="2000" b="1" dirty="0" smtClean="0">
@@ -2771,7 +2771,7 @@
                   <a:srgbClr val="C00000"/>
                 </a:solidFill>
               </a:rPr>
-              <a:t> Dokumente untersucht:</a:t>
+              <a:t>Dokumente untersucht:</a:t>
             </a:r>
             <a:endParaRPr lang="de-DE" sz="2000" b="1" dirty="0">
               <a:solidFill>
@@ -2836,15 +2836,7 @@
                   <a:srgbClr val="C00000"/>
                 </a:solidFill>
               </a:rPr>
-              <a:t>dem </a:t>
-            </a:r>
-            <a:r>
-              <a:rPr lang="de-DE" sz="1400" b="1" smtClean="0">
-                <a:solidFill>
-                  <a:srgbClr val="C00000"/>
-                </a:solidFill>
-              </a:rPr>
-              <a:t>ABBYY </a:t>
+              <a:t>dem ABBYY </a:t>
             </a:r>
             <a:r>
               <a:rPr lang="de-DE" sz="1400" b="1" dirty="0" smtClean="0">
@@ -2865,7 +2857,7 @@
     </p:spTree>
     <p:extLst>
       <p:ext uri="{BB962C8B-B14F-4D97-AF65-F5344CB8AC3E}">
-        <p14:creationId xmlns:p14="http://schemas.microsoft.com/office/powerpoint/2010/main" val="36908405"/>
+        <p14:creationId xmlns:p14="http://schemas.microsoft.com/office/powerpoint/2010/main" xmlns="" val="36908405"/>
       </p:ext>
     </p:extLst>
   </p:cSld>

--- a/Jahresziele/2015/ABBYY/Fazit-Strafzettel.pptx
+++ b/Jahresziele/2015/ABBYY/Fazit-Strafzettel.pptx
@@ -376,7 +376,7 @@
     </p:spTree>
     <p:extLst>
       <p:ext uri="{BB962C8B-B14F-4D97-AF65-F5344CB8AC3E}">
-        <p14:creationId xmlns:p14="http://schemas.microsoft.com/office/powerpoint/2010/main" xmlns="" val="1907857566"/>
+        <p14:creationId xmlns="" xmlns:p14="http://schemas.microsoft.com/office/powerpoint/2010/main" val="1907857566"/>
       </p:ext>
     </p:extLst>
   </p:cSld>
@@ -552,7 +552,7 @@
     </p:spTree>
     <p:extLst>
       <p:ext uri="{BB962C8B-B14F-4D97-AF65-F5344CB8AC3E}">
-        <p14:creationId xmlns:p14="http://schemas.microsoft.com/office/powerpoint/2010/main" xmlns="" val="325568466"/>
+        <p14:creationId xmlns="" xmlns:p14="http://schemas.microsoft.com/office/powerpoint/2010/main" val="325568466"/>
       </p:ext>
     </p:extLst>
   </p:cSld>
@@ -637,7 +637,7 @@
     </p:spTree>
     <p:extLst>
       <p:ext uri="{BB962C8B-B14F-4D97-AF65-F5344CB8AC3E}">
-        <p14:creationId xmlns:p14="http://schemas.microsoft.com/office/powerpoint/2010/main" xmlns="" val="2279025156"/>
+        <p14:creationId xmlns="" xmlns:p14="http://schemas.microsoft.com/office/powerpoint/2010/main" val="2279025156"/>
       </p:ext>
     </p:extLst>
   </p:cSld>
@@ -722,7 +722,7 @@
     </p:spTree>
     <p:extLst>
       <p:ext uri="{BB962C8B-B14F-4D97-AF65-F5344CB8AC3E}">
-        <p14:creationId xmlns:p14="http://schemas.microsoft.com/office/powerpoint/2010/main" xmlns="" val="2279025156"/>
+        <p14:creationId xmlns="" xmlns:p14="http://schemas.microsoft.com/office/powerpoint/2010/main" val="2279025156"/>
       </p:ext>
     </p:extLst>
   </p:cSld>
@@ -2426,20 +2426,29 @@
                                   </p:childTnLst>
                                 </p:cTn>
                               </p:par>
+                            </p:childTnLst>
+                          </p:cTn>
+                        </p:par>
+                        <p:par>
+                          <p:cTn id="33" fill="hold">
+                            <p:stCondLst>
+                              <p:cond delay="5800"/>
+                            </p:stCondLst>
+                            <p:childTnLst>
                               <p:par>
-                                <p:cTn id="33" presetID="1" presetClass="entr" presetSubtype="0" fill="hold" grpId="0" nodeType="withEffect" nodePh="1">
+                                <p:cTn id="34" presetID="1" presetClass="entr" presetSubtype="0" fill="hold" grpId="0" nodeType="afterEffect" nodePh="1">
                                   <p:stCondLst>
                                     <p:cond delay="7000"/>
                                   </p:stCondLst>
                                   <p:endCondLst>
                                     <p:cond evt="begin" delay="0">
-                                      <p:tn val="33"/>
+                                      <p:tn val="34"/>
                                     </p:cond>
                                   </p:endCondLst>
                                   <p:childTnLst>
                                     <p:set>
                                       <p:cBhvr>
-                                        <p:cTn id="34" dur="1" fill="hold">
+                                        <p:cTn id="35" dur="1" fill="hold">
                                           <p:stCondLst>
                                             <p:cond delay="199"/>
                                           </p:stCondLst>
@@ -2828,23 +2837,7 @@
                   <a:srgbClr val="C00000"/>
                 </a:solidFill>
               </a:rPr>
-              <a:t>Vorausgesetzt, die unterschiedlichen Layouts werden aufwändig OCR seitig mit </a:t>
-            </a:r>
-            <a:r>
-              <a:rPr lang="de-DE" sz="1400" b="1" smtClean="0">
-                <a:solidFill>
-                  <a:srgbClr val="C00000"/>
-                </a:solidFill>
-              </a:rPr>
-              <a:t>dem ABBYY </a:t>
-            </a:r>
-            <a:r>
-              <a:rPr lang="de-DE" sz="1400" b="1" dirty="0" smtClean="0">
-                <a:solidFill>
-                  <a:srgbClr val="C00000"/>
-                </a:solidFill>
-              </a:rPr>
-              <a:t>Tool trainiert </a:t>
+              <a:t>Vorausgesetzt, die unterschiedlichen Layouts werden aufwändig OCR seitig mit dem ABBYY Tool trainiert </a:t>
             </a:r>
             <a:endParaRPr lang="de-DE" sz="1400" b="1" dirty="0">
               <a:solidFill>
@@ -2857,7 +2850,7 @@
     </p:spTree>
     <p:extLst>
       <p:ext uri="{BB962C8B-B14F-4D97-AF65-F5344CB8AC3E}">
-        <p14:creationId xmlns:p14="http://schemas.microsoft.com/office/powerpoint/2010/main" xmlns="" val="36908405"/>
+        <p14:creationId xmlns="" xmlns:p14="http://schemas.microsoft.com/office/powerpoint/2010/main" val="36908405"/>
       </p:ext>
     </p:extLst>
   </p:cSld>
